--- a/Seminário Apresentação.pptx
+++ b/Seminário Apresentação.pptx
@@ -7232,7 +7232,7 @@
             </a:pPr>
             <a:r>
               <a:rPr lang="pt-BR"/>
-              <a:t>Integrante</a:t>
+              <a:t>Integrantes</a:t>
             </a:r>
             <a:r>
               <a:rPr lang="pt-BR"/>
@@ -7372,13 +7372,12 @@
           <p:cNvPicPr preferRelativeResize="0"/>
           <p:nvPr/>
         </p:nvPicPr>
-        <p:blipFill>
+        <p:blipFill rotWithShape="1">
           <a:blip r:embed="rId3">
             <a:alphaModFix/>
           </a:blip>
-          <a:stretch>
-            <a:fillRect/>
-          </a:stretch>
+          <a:srcRect b="0" l="0" r="0" t="0"/>
+          <a:stretch/>
         </p:blipFill>
         <p:spPr>
           <a:xfrm>
@@ -7400,13 +7399,12 @@
           <p:cNvPicPr preferRelativeResize="0"/>
           <p:nvPr/>
         </p:nvPicPr>
-        <p:blipFill>
+        <p:blipFill rotWithShape="1">
           <a:blip r:embed="rId4">
             <a:alphaModFix/>
           </a:blip>
-          <a:stretch>
-            <a:fillRect/>
-          </a:stretch>
+          <a:srcRect b="0" l="0" r="0" t="0"/>
+          <a:stretch/>
         </p:blipFill>
         <p:spPr>
           <a:xfrm>
@@ -8116,7 +8114,7 @@
         </p:blipFill>
         <p:spPr>
           <a:xfrm>
-            <a:off x="1750274" y="1478176"/>
+            <a:off x="1750274" y="1189251"/>
             <a:ext cx="5643451" cy="2765000"/>
           </a:xfrm>
           <a:prstGeom prst="rect">
@@ -9805,6 +9803,15 @@
               </a:spcAft>
               <a:buNone/>
             </a:pPr>
+            <a:r>
+              <a:rPr lang="pt-BR">
+                <a:latin typeface="Cambria Math"/>
+                <a:ea typeface="Cambria Math"/>
+                <a:cs typeface="Cambria Math"/>
+                <a:sym typeface="Cambria Math"/>
+              </a:rPr>
+              <a:t>Complexidade </a:t>
+            </a:r>
             <a:r>
               <a:rPr i="1" lang="pt-BR">
                 <a:latin typeface="Cambria Math"/>
